--- a/design/designsheets/design_member.pptx
+++ b/design/designsheets/design_member.pptx
@@ -5,29 +5,23 @@
     <p:sldMasterId id="2147483648" r:id="rId1"/>
   </p:sldMasterIdLst>
   <p:notesMasterIdLst>
-    <p:notesMasterId r:id="rId6"/>
+    <p:notesMasterId r:id="rId4"/>
   </p:notesMasterIdLst>
   <p:sldIdLst>
     <p:sldId id="256" r:id="rId2"/>
     <p:sldId id="259" r:id="rId3"/>
-    <p:sldId id="258" r:id="rId4"/>
-    <p:sldId id="257" r:id="rId5"/>
   </p:sldIdLst>
   <p:sldSz cx="12192000" cy="6858000"/>
   <p:notesSz cx="6858000" cy="9144000"/>
   <p:embeddedFontLst>
     <p:embeddedFont>
       <p:font typeface="맑은 고딕" panose="020B0503020000020004" pitchFamily="50" charset="-127"/>
-      <p:regular r:id="rId7"/>
-      <p:bold r:id="rId8"/>
+      <p:regular r:id="rId5"/>
+      <p:bold r:id="rId6"/>
     </p:embeddedFont>
     <p:embeddedFont>
       <p:font typeface="KoPub돋움체 Medium" panose="00000600000000000000" pitchFamily="2" charset="-127"/>
-      <p:regular r:id="rId9"/>
-    </p:embeddedFont>
-    <p:embeddedFont>
-      <p:font typeface="KoPub돋움체 Bold" panose="00000800000000000000" pitchFamily="2" charset="-127"/>
-      <p:bold r:id="rId10"/>
+      <p:regular r:id="rId7"/>
     </p:embeddedFont>
   </p:embeddedFontLst>
   <p:defaultTextStyle>
@@ -194,22 +188,6 @@
 </p:cmLst>
 </file>
 
-<file path=ppt/comments/comment2.xml><?xml version="1.0" encoding="utf-8"?>
-<p:cmLst xmlns:a="http://schemas.openxmlformats.org/drawingml/2006/main" xmlns:r="http://schemas.openxmlformats.org/officeDocument/2006/relationships" xmlns:p="http://schemas.openxmlformats.org/presentationml/2006/main">
-  <p:cm authorId="1" dt="2018-09-13T20:36:19.339" idx="6">
-    <p:pos x="1988" y="653"/>
-    <p:text>font-family:"KoPub Dotum";
-font-size: 30px;
-font-style: bold;</p:text>
-    <p:extLst>
-      <p:ext uri="{C676402C-5697-4E1C-873F-D02D1690AC5C}">
-        <p15:threadingInfo xmlns:p15="http://schemas.microsoft.com/office/powerpoint/2012/main" timeZoneBias="-540"/>
-      </p:ext>
-    </p:extLst>
-  </p:cm>
-</p:cmLst>
-</file>
-
 <file path=ppt/notesMasters/notesMaster1.xml><?xml version="1.0" encoding="utf-8"?>
 <p:notesMaster xmlns:a="http://schemas.openxmlformats.org/drawingml/2006/main" xmlns:r="http://schemas.openxmlformats.org/officeDocument/2006/relationships" xmlns:p="http://schemas.openxmlformats.org/presentationml/2006/main">
   <p:cSld>
@@ -292,7 +270,7 @@
           <a:p>
             <a:fld id="{D2820DBE-578D-4EA6-93E3-42D8CDC85CC2}" type="datetimeFigureOut">
               <a:rPr lang="ko-KR" altLang="en-US" smtClean="0"/>
-              <a:t>2018-09-30</a:t>
+              <a:t>2018-10-10</a:t>
             </a:fld>
             <a:endParaRPr lang="ko-KR" altLang="en-US"/>
           </a:p>
@@ -1084,7 +1062,7 @@
           <a:p>
             <a:fld id="{E4BC033A-D709-42D0-BC4E-71C530E11E6B}" type="datetimeFigureOut">
               <a:rPr lang="ko-KR" altLang="en-US" smtClean="0"/>
-              <a:t>2018-09-30</a:t>
+              <a:t>2018-10-10</a:t>
             </a:fld>
             <a:endParaRPr lang="ko-KR" altLang="en-US"/>
           </a:p>
@@ -1254,7 +1232,7 @@
           <a:p>
             <a:fld id="{E4BC033A-D709-42D0-BC4E-71C530E11E6B}" type="datetimeFigureOut">
               <a:rPr lang="ko-KR" altLang="en-US" smtClean="0"/>
-              <a:t>2018-09-30</a:t>
+              <a:t>2018-10-10</a:t>
             </a:fld>
             <a:endParaRPr lang="ko-KR" altLang="en-US"/>
           </a:p>
@@ -1434,7 +1412,7 @@
           <a:p>
             <a:fld id="{E4BC033A-D709-42D0-BC4E-71C530E11E6B}" type="datetimeFigureOut">
               <a:rPr lang="ko-KR" altLang="en-US" smtClean="0"/>
-              <a:t>2018-09-30</a:t>
+              <a:t>2018-10-10</a:t>
             </a:fld>
             <a:endParaRPr lang="ko-KR" altLang="en-US"/>
           </a:p>
@@ -1604,7 +1582,7 @@
           <a:p>
             <a:fld id="{E4BC033A-D709-42D0-BC4E-71C530E11E6B}" type="datetimeFigureOut">
               <a:rPr lang="ko-KR" altLang="en-US" smtClean="0"/>
-              <a:t>2018-09-30</a:t>
+              <a:t>2018-10-10</a:t>
             </a:fld>
             <a:endParaRPr lang="ko-KR" altLang="en-US"/>
           </a:p>
@@ -1850,7 +1828,7 @@
           <a:p>
             <a:fld id="{E4BC033A-D709-42D0-BC4E-71C530E11E6B}" type="datetimeFigureOut">
               <a:rPr lang="ko-KR" altLang="en-US" smtClean="0"/>
-              <a:t>2018-09-30</a:t>
+              <a:t>2018-10-10</a:t>
             </a:fld>
             <a:endParaRPr lang="ko-KR" altLang="en-US"/>
           </a:p>
@@ -2082,7 +2060,7 @@
           <a:p>
             <a:fld id="{E4BC033A-D709-42D0-BC4E-71C530E11E6B}" type="datetimeFigureOut">
               <a:rPr lang="ko-KR" altLang="en-US" smtClean="0"/>
-              <a:t>2018-09-30</a:t>
+              <a:t>2018-10-10</a:t>
             </a:fld>
             <a:endParaRPr lang="ko-KR" altLang="en-US"/>
           </a:p>
@@ -2449,7 +2427,7 @@
           <a:p>
             <a:fld id="{E4BC033A-D709-42D0-BC4E-71C530E11E6B}" type="datetimeFigureOut">
               <a:rPr lang="ko-KR" altLang="en-US" smtClean="0"/>
-              <a:t>2018-09-30</a:t>
+              <a:t>2018-10-10</a:t>
             </a:fld>
             <a:endParaRPr lang="ko-KR" altLang="en-US"/>
           </a:p>
@@ -2567,7 +2545,7 @@
           <a:p>
             <a:fld id="{E4BC033A-D709-42D0-BC4E-71C530E11E6B}" type="datetimeFigureOut">
               <a:rPr lang="ko-KR" altLang="en-US" smtClean="0"/>
-              <a:t>2018-09-30</a:t>
+              <a:t>2018-10-10</a:t>
             </a:fld>
             <a:endParaRPr lang="ko-KR" altLang="en-US"/>
           </a:p>
@@ -2662,7 +2640,7 @@
           <a:p>
             <a:fld id="{E4BC033A-D709-42D0-BC4E-71C530E11E6B}" type="datetimeFigureOut">
               <a:rPr lang="ko-KR" altLang="en-US" smtClean="0"/>
-              <a:t>2018-09-30</a:t>
+              <a:t>2018-10-10</a:t>
             </a:fld>
             <a:endParaRPr lang="ko-KR" altLang="en-US"/>
           </a:p>
@@ -2939,7 +2917,7 @@
           <a:p>
             <a:fld id="{E4BC033A-D709-42D0-BC4E-71C530E11E6B}" type="datetimeFigureOut">
               <a:rPr lang="ko-KR" altLang="en-US" smtClean="0"/>
-              <a:t>2018-09-30</a:t>
+              <a:t>2018-10-10</a:t>
             </a:fld>
             <a:endParaRPr lang="ko-KR" altLang="en-US"/>
           </a:p>
@@ -3192,7 +3170,7 @@
           <a:p>
             <a:fld id="{E4BC033A-D709-42D0-BC4E-71C530E11E6B}" type="datetimeFigureOut">
               <a:rPr lang="ko-KR" altLang="en-US" smtClean="0"/>
-              <a:t>2018-09-30</a:t>
+              <a:t>2018-10-10</a:t>
             </a:fld>
             <a:endParaRPr lang="ko-KR" altLang="en-US"/>
           </a:p>
@@ -3405,7 +3383,7 @@
           <a:p>
             <a:fld id="{E4BC033A-D709-42D0-BC4E-71C530E11E6B}" type="datetimeFigureOut">
               <a:rPr lang="ko-KR" altLang="en-US" smtClean="0"/>
-              <a:t>2018-09-30</a:t>
+              <a:t>2018-10-10</a:t>
             </a:fld>
             <a:endParaRPr lang="ko-KR" altLang="en-US"/>
           </a:p>
@@ -5102,661 +5080,6 @@
 </p:sld>
 </file>
 
-<file path=ppt/slides/slide3.xml><?xml version="1.0" encoding="utf-8"?>
-<p:sld xmlns:a="http://schemas.openxmlformats.org/drawingml/2006/main" xmlns:r="http://schemas.openxmlformats.org/officeDocument/2006/relationships" xmlns:p="http://schemas.openxmlformats.org/presentationml/2006/main">
-  <p:cSld>
-    <p:spTree>
-      <p:nvGrpSpPr>
-        <p:cNvPr id="1" name=""/>
-        <p:cNvGrpSpPr/>
-        <p:nvPr/>
-      </p:nvGrpSpPr>
-      <p:grpSpPr>
-        <a:xfrm>
-          <a:off x="0" y="0"/>
-          <a:ext cx="0" cy="0"/>
-          <a:chOff x="0" y="0"/>
-          <a:chExt cx="0" cy="0"/>
-        </a:xfrm>
-      </p:grpSpPr>
-      <p:sp>
-        <p:nvSpPr>
-          <p:cNvPr id="4" name="모서리가 둥근 직사각형 3"/>
-          <p:cNvSpPr/>
-          <p:nvPr/>
-        </p:nvSpPr>
-        <p:spPr>
-          <a:xfrm>
-            <a:off x="3239406" y="1808366"/>
-            <a:ext cx="1816748" cy="508000"/>
-          </a:xfrm>
-          <a:prstGeom prst="roundRect">
-            <a:avLst>
-              <a:gd name="adj" fmla="val 50000"/>
-            </a:avLst>
-          </a:prstGeom>
-          <a:solidFill>
-            <a:srgbClr val="FF7C80"/>
-          </a:solidFill>
-          <a:ln>
-            <a:noFill/>
-          </a:ln>
-        </p:spPr>
-        <p:style>
-          <a:lnRef idx="2">
-            <a:schemeClr val="accent1">
-              <a:shade val="50000"/>
-            </a:schemeClr>
-          </a:lnRef>
-          <a:fillRef idx="1">
-            <a:schemeClr val="accent1"/>
-          </a:fillRef>
-          <a:effectRef idx="0">
-            <a:schemeClr val="accent1"/>
-          </a:effectRef>
-          <a:fontRef idx="minor">
-            <a:schemeClr val="lt1"/>
-          </a:fontRef>
-        </p:style>
-        <p:txBody>
-          <a:bodyPr rtlCol="0" anchor="ctr"/>
-          <a:lstStyle/>
-          <a:p>
-            <a:pPr algn="ctr"/>
-            <a:r>
-              <a:rPr lang="ko-KR" altLang="en-US" dirty="0" err="1" smtClean="0">
-                <a:solidFill>
-                  <a:schemeClr val="bg1"/>
-                </a:solidFill>
-                <a:latin typeface="KoPub돋움체 Bold" panose="00000800000000000000" pitchFamily="2" charset="-127"/>
-                <a:ea typeface="KoPub돋움체 Bold" panose="00000800000000000000" pitchFamily="2" charset="-127"/>
-              </a:rPr>
-              <a:t>조이련</a:t>
-            </a:r>
-            <a:endParaRPr lang="ko-KR" altLang="en-US" dirty="0">
-              <a:solidFill>
-                <a:schemeClr val="bg1"/>
-              </a:solidFill>
-              <a:latin typeface="KoPub돋움체 Bold" panose="00000800000000000000" pitchFamily="2" charset="-127"/>
-              <a:ea typeface="KoPub돋움체 Bold" panose="00000800000000000000" pitchFamily="2" charset="-127"/>
-            </a:endParaRPr>
-          </a:p>
-        </p:txBody>
-      </p:sp>
-      <p:sp>
-        <p:nvSpPr>
-          <p:cNvPr id="5" name="TextBox 4"/>
-          <p:cNvSpPr txBox="1"/>
-          <p:nvPr/>
-        </p:nvSpPr>
-        <p:spPr>
-          <a:xfrm>
-            <a:off x="3239406" y="2373760"/>
-            <a:ext cx="5378395" cy="923330"/>
-          </a:xfrm>
-          <a:prstGeom prst="rect">
-            <a:avLst/>
-          </a:prstGeom>
-          <a:noFill/>
-        </p:spPr>
-        <p:txBody>
-          <a:bodyPr wrap="none" rtlCol="0">
-            <a:spAutoFit/>
-          </a:bodyPr>
-          <a:lstStyle/>
-          <a:p>
-            <a:pPr marL="285750" indent="-285750">
-              <a:buFont typeface="Arial" panose="020B0604020202020204" pitchFamily="34" charset="0"/>
-              <a:buChar char="•"/>
-            </a:pPr>
-            <a:r>
-              <a:rPr lang="ko-KR" altLang="en-US" dirty="0" err="1" smtClean="0">
-                <a:latin typeface="KoPub돋움체 Medium" panose="00000600000000000000" pitchFamily="2" charset="-127"/>
-                <a:ea typeface="KoPub돋움체 Medium" panose="00000600000000000000" pitchFamily="2" charset="-127"/>
-              </a:rPr>
-              <a:t>유즈루후회공</a:t>
-            </a:r>
-            <a:endParaRPr lang="en-US" altLang="ko-KR" dirty="0" smtClean="0">
-              <a:latin typeface="KoPub돋움체 Medium" panose="00000600000000000000" pitchFamily="2" charset="-127"/>
-              <a:ea typeface="KoPub돋움체 Medium" panose="00000600000000000000" pitchFamily="2" charset="-127"/>
-            </a:endParaRPr>
-          </a:p>
-          <a:p>
-            <a:pPr marL="285750" indent="-285750">
-              <a:buFont typeface="Arial" panose="020B0604020202020204" pitchFamily="34" charset="0"/>
-              <a:buChar char="•"/>
-            </a:pPr>
-            <a:r>
-              <a:rPr lang="en-US" altLang="ko-KR" dirty="0" smtClean="0">
-                <a:latin typeface="KoPub돋움체 Medium" panose="00000600000000000000" pitchFamily="2" charset="-127"/>
-                <a:ea typeface="KoPub돋움체 Medium" panose="00000600000000000000" pitchFamily="2" charset="-127"/>
-              </a:rPr>
-              <a:t>67</a:t>
-            </a:r>
-            <a:r>
-              <a:rPr lang="ko-KR" altLang="en-US" dirty="0" smtClean="0">
-                <a:latin typeface="KoPub돋움체 Medium" panose="00000600000000000000" pitchFamily="2" charset="-127"/>
-                <a:ea typeface="KoPub돋움체 Medium" panose="00000600000000000000" pitchFamily="2" charset="-127"/>
-              </a:rPr>
-              <a:t>연 도부로 도부 신기록이라는 명예로운 기록을 세움</a:t>
-            </a:r>
-            <a:endParaRPr lang="en-US" altLang="ko-KR" dirty="0">
-              <a:latin typeface="KoPub돋움체 Medium" panose="00000600000000000000" pitchFamily="2" charset="-127"/>
-              <a:ea typeface="KoPub돋움체 Medium" panose="00000600000000000000" pitchFamily="2" charset="-127"/>
-            </a:endParaRPr>
-          </a:p>
-          <a:p>
-            <a:pPr marL="285750" indent="-285750">
-              <a:buFont typeface="Arial" panose="020B0604020202020204" pitchFamily="34" charset="0"/>
-              <a:buChar char="•"/>
-            </a:pPr>
-            <a:r>
-              <a:rPr lang="ko-KR" altLang="en-US" dirty="0" err="1" smtClean="0">
-                <a:latin typeface="KoPub돋움체 Medium" panose="00000600000000000000" pitchFamily="2" charset="-127"/>
-                <a:ea typeface="KoPub돋움체 Medium" panose="00000600000000000000" pitchFamily="2" charset="-127"/>
-              </a:rPr>
-              <a:t>탈피네못함</a:t>
-            </a:r>
-            <a:r>
-              <a:rPr lang="ko-KR" altLang="en-US" dirty="0" smtClean="0">
-                <a:latin typeface="KoPub돋움체 Medium" panose="00000600000000000000" pitchFamily="2" charset="-127"/>
-                <a:ea typeface="KoPub돋움체 Medium" panose="00000600000000000000" pitchFamily="2" charset="-127"/>
-              </a:rPr>
-              <a:t> </a:t>
-            </a:r>
-            <a:r>
-              <a:rPr lang="ko-KR" altLang="en-US" dirty="0" err="1" smtClean="0">
-                <a:latin typeface="KoPub돋움체 Medium" panose="00000600000000000000" pitchFamily="2" charset="-127"/>
-                <a:ea typeface="KoPub돋움체 Medium" panose="00000600000000000000" pitchFamily="2" charset="-127"/>
-              </a:rPr>
-              <a:t>파하핫</a:t>
-            </a:r>
-            <a:r>
-              <a:rPr lang="ko-KR" altLang="en-US" dirty="0" smtClean="0">
-                <a:latin typeface="KoPub돋움체 Medium" panose="00000600000000000000" pitchFamily="2" charset="-127"/>
-                <a:ea typeface="KoPub돋움체 Medium" panose="00000600000000000000" pitchFamily="2" charset="-127"/>
-              </a:rPr>
-              <a:t> </a:t>
-            </a:r>
-            <a:r>
-              <a:rPr lang="ko-KR" altLang="en-US" dirty="0" err="1" smtClean="0">
-                <a:latin typeface="KoPub돋움체 Medium" panose="00000600000000000000" pitchFamily="2" charset="-127"/>
-                <a:ea typeface="KoPub돋움체 Medium" panose="00000600000000000000" pitchFamily="2" charset="-127"/>
-              </a:rPr>
-              <a:t>유즈루</a:t>
-            </a:r>
-            <a:r>
-              <a:rPr lang="ko-KR" altLang="en-US" dirty="0" smtClean="0">
-                <a:latin typeface="KoPub돋움체 Medium" panose="00000600000000000000" pitchFamily="2" charset="-127"/>
-                <a:ea typeface="KoPub돋움체 Medium" panose="00000600000000000000" pitchFamily="2" charset="-127"/>
-              </a:rPr>
-              <a:t> </a:t>
-            </a:r>
-            <a:r>
-              <a:rPr lang="ko-KR" altLang="en-US" dirty="0" err="1" smtClean="0">
-                <a:latin typeface="KoPub돋움체 Medium" panose="00000600000000000000" pitchFamily="2" charset="-127"/>
-                <a:ea typeface="KoPub돋움체 Medium" panose="00000600000000000000" pitchFamily="2" charset="-127"/>
-              </a:rPr>
-              <a:t>가챠등판했대요</a:t>
-            </a:r>
-            <a:endParaRPr lang="en-US" altLang="ko-KR" dirty="0" smtClean="0">
-              <a:latin typeface="KoPub돋움체 Medium" panose="00000600000000000000" pitchFamily="2" charset="-127"/>
-              <a:ea typeface="KoPub돋움체 Medium" panose="00000600000000000000" pitchFamily="2" charset="-127"/>
-            </a:endParaRPr>
-          </a:p>
-        </p:txBody>
-      </p:sp>
-    </p:spTree>
-    <p:extLst>
-      <p:ext uri="{BB962C8B-B14F-4D97-AF65-F5344CB8AC3E}">
-        <p14:creationId xmlns:p14="http://schemas.microsoft.com/office/powerpoint/2010/main" val="1824253838"/>
-      </p:ext>
-    </p:extLst>
-  </p:cSld>
-  <p:clrMapOvr>
-    <a:masterClrMapping/>
-  </p:clrMapOvr>
-  <p:timing>
-    <p:tnLst>
-      <p:par>
-        <p:cTn id="1" dur="indefinite" restart="never" nodeType="tmRoot"/>
-      </p:par>
-    </p:tnLst>
-  </p:timing>
-</p:sld>
-</file>
-
-<file path=ppt/slides/slide4.xml><?xml version="1.0" encoding="utf-8"?>
-<p:sld xmlns:a="http://schemas.openxmlformats.org/drawingml/2006/main" xmlns:r="http://schemas.openxmlformats.org/officeDocument/2006/relationships" xmlns:p="http://schemas.openxmlformats.org/presentationml/2006/main">
-  <p:cSld>
-    <p:spTree>
-      <p:nvGrpSpPr>
-        <p:cNvPr id="1" name=""/>
-        <p:cNvGrpSpPr/>
-        <p:nvPr/>
-      </p:nvGrpSpPr>
-      <p:grpSpPr>
-        <a:xfrm>
-          <a:off x="0" y="0"/>
-          <a:ext cx="0" cy="0"/>
-          <a:chOff x="0" y="0"/>
-          <a:chExt cx="0" cy="0"/>
-        </a:xfrm>
-      </p:grpSpPr>
-      <p:pic>
-        <p:nvPicPr>
-          <p:cNvPr id="7" name="그림 6"/>
-          <p:cNvPicPr>
-            <a:picLocks noChangeAspect="1"/>
-          </p:cNvPicPr>
-          <p:nvPr/>
-        </p:nvPicPr>
-        <p:blipFill>
-          <a:blip r:embed="rId2" cstate="print">
-            <a:duotone>
-              <a:prstClr val="black"/>
-              <a:schemeClr val="tx1">
-                <a:tint val="45000"/>
-                <a:satMod val="400000"/>
-              </a:schemeClr>
-            </a:duotone>
-            <a:extLst>
-              <a:ext uri="{28A0092B-C50C-407E-A947-70E740481C1C}">
-                <a14:useLocalDpi xmlns:a14="http://schemas.microsoft.com/office/drawing/2010/main" val="0"/>
-              </a:ext>
-            </a:extLst>
-          </a:blip>
-          <a:stretch>
-            <a:fillRect/>
-          </a:stretch>
-        </p:blipFill>
-        <p:spPr>
-          <a:xfrm flipV="1">
-            <a:off x="5915187" y="607823"/>
-            <a:ext cx="361627" cy="301356"/>
-          </a:xfrm>
-          <a:prstGeom prst="rect">
-            <a:avLst/>
-          </a:prstGeom>
-        </p:spPr>
-      </p:pic>
-      <p:sp>
-        <p:nvSpPr>
-          <p:cNvPr id="8" name="TextBox 7"/>
-          <p:cNvSpPr txBox="1"/>
-          <p:nvPr/>
-        </p:nvSpPr>
-        <p:spPr>
-          <a:xfrm>
-            <a:off x="1536722" y="1384197"/>
-            <a:ext cx="2009204" cy="553998"/>
-          </a:xfrm>
-          <a:prstGeom prst="rect">
-            <a:avLst/>
-          </a:prstGeom>
-          <a:noFill/>
-        </p:spPr>
-        <p:txBody>
-          <a:bodyPr wrap="none" rtlCol="0">
-            <a:spAutoFit/>
-          </a:bodyPr>
-          <a:lstStyle/>
-          <a:p>
-            <a:r>
-              <a:rPr lang="en-US" altLang="ko-KR" sz="3000" b="1" dirty="0" err="1" smtClean="0">
-                <a:ln w="19050">
-                  <a:solidFill>
-                    <a:srgbClr val="EB3B63"/>
-                  </a:solidFill>
-                </a:ln>
-                <a:solidFill>
-                  <a:srgbClr val="EB3B63"/>
-                </a:solidFill>
-                <a:latin typeface="KoPub돋움체 Medium" panose="00000600000000000000" pitchFamily="2" charset="-127"/>
-                <a:ea typeface="KoPub돋움체 Medium" panose="00000600000000000000" pitchFamily="2" charset="-127"/>
-              </a:rPr>
-              <a:t>Flos</a:t>
-            </a:r>
-            <a:r>
-              <a:rPr lang="en-US" altLang="ko-KR" sz="3000" b="1" dirty="0" smtClean="0">
-                <a:ln w="19050">
-                  <a:solidFill>
-                    <a:srgbClr val="EB3B63"/>
-                  </a:solidFill>
-                </a:ln>
-                <a:solidFill>
-                  <a:srgbClr val="EB3B63"/>
-                </a:solidFill>
-                <a:latin typeface="KoPub돋움체 Medium" panose="00000600000000000000" pitchFamily="2" charset="-127"/>
-                <a:ea typeface="KoPub돋움체 Medium" panose="00000600000000000000" pitchFamily="2" charset="-127"/>
-              </a:rPr>
-              <a:t> Via</a:t>
-            </a:r>
-            <a:r>
-              <a:rPr lang="ko-KR" altLang="en-US" sz="3000" b="1" dirty="0" smtClean="0">
-                <a:ln w="19050">
-                  <a:solidFill>
-                    <a:srgbClr val="EB3B63"/>
-                  </a:solidFill>
-                </a:ln>
-                <a:solidFill>
-                  <a:srgbClr val="EB3B63"/>
-                </a:solidFill>
-                <a:latin typeface="KoPub돋움체 Medium" panose="00000600000000000000" pitchFamily="2" charset="-127"/>
-                <a:ea typeface="KoPub돋움체 Medium" panose="00000600000000000000" pitchFamily="2" charset="-127"/>
-              </a:rPr>
-              <a:t>는</a:t>
-            </a:r>
-            <a:r>
-              <a:rPr lang="en-US" altLang="ko-KR" sz="3000" b="1" dirty="0" smtClean="0">
-                <a:ln w="19050">
-                  <a:solidFill>
-                    <a:srgbClr val="EB3B63"/>
-                  </a:solidFill>
-                </a:ln>
-                <a:solidFill>
-                  <a:srgbClr val="EB3B63"/>
-                </a:solidFill>
-                <a:latin typeface="KoPub돋움체 Medium" panose="00000600000000000000" pitchFamily="2" charset="-127"/>
-                <a:ea typeface="KoPub돋움체 Medium" panose="00000600000000000000" pitchFamily="2" charset="-127"/>
-              </a:rPr>
-              <a:t>?</a:t>
-            </a:r>
-          </a:p>
-        </p:txBody>
-      </p:sp>
-      <p:sp>
-        <p:nvSpPr>
-          <p:cNvPr id="9" name="직사각형 8"/>
-          <p:cNvSpPr/>
-          <p:nvPr/>
-        </p:nvSpPr>
-        <p:spPr>
-          <a:xfrm>
-            <a:off x="1628791" y="2090595"/>
-            <a:ext cx="8934417" cy="2679525"/>
-          </a:xfrm>
-          <a:prstGeom prst="rect">
-            <a:avLst/>
-          </a:prstGeom>
-          <a:noFill/>
-        </p:spPr>
-        <p:style>
-          <a:lnRef idx="2">
-            <a:schemeClr val="accent1">
-              <a:shade val="50000"/>
-            </a:schemeClr>
-          </a:lnRef>
-          <a:fillRef idx="1">
-            <a:schemeClr val="accent1"/>
-          </a:fillRef>
-          <a:effectRef idx="0">
-            <a:schemeClr val="accent1"/>
-          </a:effectRef>
-          <a:fontRef idx="minor">
-            <a:schemeClr val="lt1"/>
-          </a:fontRef>
-        </p:style>
-        <p:txBody>
-          <a:bodyPr rtlCol="0" anchor="ctr"/>
-          <a:lstStyle/>
-          <a:p>
-            <a:pPr algn="ctr"/>
-            <a:r>
-              <a:rPr lang="ko-KR" altLang="en-US" dirty="0" smtClean="0">
-                <a:solidFill>
-                  <a:schemeClr val="tx1"/>
-                </a:solidFill>
-              </a:rPr>
-              <a:t>내가</a:t>
-            </a:r>
-            <a:r>
-              <a:rPr lang="en-US" altLang="ko-KR" dirty="0" smtClean="0">
-                <a:solidFill>
-                  <a:schemeClr val="tx1"/>
-                </a:solidFill>
-              </a:rPr>
-              <a:t>…</a:t>
-            </a:r>
-            <a:r>
-              <a:rPr lang="ko-KR" altLang="en-US" dirty="0" smtClean="0">
-                <a:solidFill>
-                  <a:schemeClr val="tx1"/>
-                </a:solidFill>
-              </a:rPr>
-              <a:t>나중에 뭔가 여기에 넣을 만한 그림을 줄 것임</a:t>
-            </a:r>
-            <a:endParaRPr lang="en-US" altLang="ko-KR" dirty="0" smtClean="0">
-              <a:solidFill>
-                <a:schemeClr val="tx1"/>
-              </a:solidFill>
-            </a:endParaRPr>
-          </a:p>
-          <a:p>
-            <a:pPr algn="ctr"/>
-            <a:r>
-              <a:rPr lang="ko-KR" altLang="en-US" dirty="0" smtClean="0">
-                <a:solidFill>
-                  <a:schemeClr val="tx1"/>
-                </a:solidFill>
-              </a:rPr>
-              <a:t>테두리는 없을 것 같고 배경투명화일 것 같다</a:t>
-            </a:r>
-            <a:endParaRPr lang="en-US" altLang="ko-KR" dirty="0" smtClean="0">
-              <a:solidFill>
-                <a:schemeClr val="tx1"/>
-              </a:solidFill>
-            </a:endParaRPr>
-          </a:p>
-          <a:p>
-            <a:pPr algn="ctr"/>
-            <a:endParaRPr lang="en-US" altLang="ko-KR" dirty="0" smtClean="0">
-              <a:solidFill>
-                <a:schemeClr val="tx1"/>
-              </a:solidFill>
-            </a:endParaRPr>
-          </a:p>
-          <a:p>
-            <a:pPr algn="ctr"/>
-            <a:r>
-              <a:rPr lang="en-US" altLang="ko-KR" dirty="0" smtClean="0">
-                <a:solidFill>
-                  <a:schemeClr val="tx1"/>
-                </a:solidFill>
-              </a:rPr>
-              <a:t>width : 70%</a:t>
-            </a:r>
-          </a:p>
-          <a:p>
-            <a:pPr algn="ctr"/>
-            <a:endParaRPr lang="en-US" altLang="ko-KR" dirty="0">
-              <a:solidFill>
-                <a:schemeClr val="tx1"/>
-              </a:solidFill>
-            </a:endParaRPr>
-          </a:p>
-          <a:p>
-            <a:pPr algn="ctr"/>
-            <a:r>
-              <a:rPr lang="ko-KR" altLang="en-US" dirty="0" smtClean="0">
-                <a:solidFill>
-                  <a:schemeClr val="tx1"/>
-                </a:solidFill>
-              </a:rPr>
-              <a:t>높이는 너비의 </a:t>
-            </a:r>
-            <a:r>
-              <a:rPr lang="en-US" altLang="ko-KR" dirty="0" smtClean="0">
-                <a:solidFill>
-                  <a:schemeClr val="tx1"/>
-                </a:solidFill>
-              </a:rPr>
-              <a:t>1/3 </a:t>
-            </a:r>
-            <a:r>
-              <a:rPr lang="ko-KR" altLang="en-US" dirty="0" smtClean="0">
-                <a:solidFill>
-                  <a:schemeClr val="tx1"/>
-                </a:solidFill>
-              </a:rPr>
-              <a:t>정도</a:t>
-            </a:r>
-            <a:r>
-              <a:rPr lang="en-US" altLang="ko-KR" dirty="0" smtClean="0">
-                <a:solidFill>
-                  <a:schemeClr val="tx1"/>
-                </a:solidFill>
-              </a:rPr>
-              <a:t>?</a:t>
-            </a:r>
-          </a:p>
-        </p:txBody>
-      </p:sp>
-      <p:sp>
-        <p:nvSpPr>
-          <p:cNvPr id="2" name="TextBox 1"/>
-          <p:cNvSpPr txBox="1"/>
-          <p:nvPr/>
-        </p:nvSpPr>
-        <p:spPr>
-          <a:xfrm>
-            <a:off x="1628791" y="4922520"/>
-            <a:ext cx="8934417" cy="646331"/>
-          </a:xfrm>
-          <a:prstGeom prst="rect">
-            <a:avLst/>
-          </a:prstGeom>
-          <a:noFill/>
-        </p:spPr>
-        <p:txBody>
-          <a:bodyPr wrap="square" rtlCol="0">
-            <a:spAutoFit/>
-          </a:bodyPr>
-          <a:lstStyle/>
-          <a:p>
-            <a:r>
-              <a:rPr lang="ko-KR" altLang="en-US" dirty="0" smtClean="0">
-                <a:latin typeface="KoPub돋움체 Medium" panose="00000600000000000000" pitchFamily="2" charset="-127"/>
-                <a:ea typeface="KoPub돋움체 Medium" panose="00000600000000000000" pitchFamily="2" charset="-127"/>
-              </a:rPr>
-              <a:t>  어</a:t>
-            </a:r>
-            <a:r>
-              <a:rPr lang="en-US" altLang="ko-KR" dirty="0" smtClean="0">
-                <a:latin typeface="KoPub돋움체 Medium" panose="00000600000000000000" pitchFamily="2" charset="-127"/>
-                <a:ea typeface="KoPub돋움체 Medium" panose="00000600000000000000" pitchFamily="2" charset="-127"/>
-              </a:rPr>
-              <a:t>….</a:t>
-            </a:r>
-            <a:r>
-              <a:rPr lang="ko-KR" altLang="en-US" dirty="0" smtClean="0">
-                <a:latin typeface="KoPub돋움체 Medium" panose="00000600000000000000" pitchFamily="2" charset="-127"/>
-                <a:ea typeface="KoPub돋움체 Medium" panose="00000600000000000000" pitchFamily="2" charset="-127"/>
-              </a:rPr>
-              <a:t>애들한테 받은 동아리에 대한 </a:t>
-            </a:r>
-            <a:r>
-              <a:rPr lang="ko-KR" altLang="en-US" dirty="0" err="1" smtClean="0">
-                <a:latin typeface="KoPub돋움체 Medium" panose="00000600000000000000" pitchFamily="2" charset="-127"/>
-                <a:ea typeface="KoPub돋움체 Medium" panose="00000600000000000000" pitchFamily="2" charset="-127"/>
-              </a:rPr>
-              <a:t>설명이랑</a:t>
-            </a:r>
-            <a:r>
-              <a:rPr lang="ko-KR" altLang="en-US" dirty="0" smtClean="0">
-                <a:latin typeface="KoPub돋움체 Medium" panose="00000600000000000000" pitchFamily="2" charset="-127"/>
-                <a:ea typeface="KoPub돋움체 Medium" panose="00000600000000000000" pitchFamily="2" charset="-127"/>
-              </a:rPr>
-              <a:t> 아무튼 그런 이런저런 거를 여기다가 넣는 것이다</a:t>
-            </a:r>
-            <a:r>
-              <a:rPr lang="en-US" altLang="ko-KR" dirty="0" smtClean="0">
-                <a:latin typeface="KoPub돋움체 Medium" panose="00000600000000000000" pitchFamily="2" charset="-127"/>
-                <a:ea typeface="KoPub돋움체 Medium" panose="00000600000000000000" pitchFamily="2" charset="-127"/>
-              </a:rPr>
-              <a:t>…</a:t>
-            </a:r>
-            <a:r>
-              <a:rPr lang="ko-KR" altLang="en-US" dirty="0" smtClean="0">
-                <a:latin typeface="KoPub돋움체 Medium" panose="00000600000000000000" pitchFamily="2" charset="-127"/>
-                <a:ea typeface="KoPub돋움체 Medium" panose="00000600000000000000" pitchFamily="2" charset="-127"/>
-              </a:rPr>
-              <a:t> 검은색</a:t>
-            </a:r>
-            <a:r>
-              <a:rPr lang="en-US" altLang="ko-KR" dirty="0" smtClean="0">
-                <a:latin typeface="KoPub돋움체 Medium" panose="00000600000000000000" pitchFamily="2" charset="-127"/>
-                <a:ea typeface="KoPub돋움체 Medium" panose="00000600000000000000" pitchFamily="2" charset="-127"/>
-              </a:rPr>
-              <a:t> #000 18px </a:t>
-            </a:r>
-            <a:r>
-              <a:rPr lang="en-US" altLang="ko-KR" dirty="0" err="1" smtClean="0">
-                <a:latin typeface="KoPub돋움체 Medium" panose="00000600000000000000" pitchFamily="2" charset="-127"/>
-                <a:ea typeface="KoPub돋움체 Medium" panose="00000600000000000000" pitchFamily="2" charset="-127"/>
-              </a:rPr>
-              <a:t>KoPub</a:t>
-            </a:r>
-            <a:r>
-              <a:rPr lang="en-US" altLang="ko-KR" dirty="0" smtClean="0">
-                <a:latin typeface="KoPub돋움체 Medium" panose="00000600000000000000" pitchFamily="2" charset="-127"/>
-                <a:ea typeface="KoPub돋움체 Medium" panose="00000600000000000000" pitchFamily="2" charset="-127"/>
-              </a:rPr>
-              <a:t> </a:t>
-            </a:r>
-            <a:r>
-              <a:rPr lang="ko-KR" altLang="en-US" dirty="0" smtClean="0">
-                <a:latin typeface="KoPub돋움체 Medium" panose="00000600000000000000" pitchFamily="2" charset="-127"/>
-                <a:ea typeface="KoPub돋움체 Medium" panose="00000600000000000000" pitchFamily="2" charset="-127"/>
-              </a:rPr>
-              <a:t>돋움체 </a:t>
-            </a:r>
-            <a:r>
-              <a:rPr lang="en-US" altLang="ko-KR" dirty="0" smtClean="0">
-                <a:latin typeface="KoPub돋움체 Medium" panose="00000600000000000000" pitchFamily="2" charset="-127"/>
-                <a:ea typeface="KoPub돋움체 Medium" panose="00000600000000000000" pitchFamily="2" charset="-127"/>
-              </a:rPr>
-              <a:t>Medium solid / width: 70% /</a:t>
-            </a:r>
-            <a:endParaRPr lang="ko-KR" altLang="en-US" dirty="0">
-              <a:latin typeface="KoPub돋움체 Medium" panose="00000600000000000000" pitchFamily="2" charset="-127"/>
-              <a:ea typeface="KoPub돋움체 Medium" panose="00000600000000000000" pitchFamily="2" charset="-127"/>
-            </a:endParaRPr>
-          </a:p>
-        </p:txBody>
-      </p:sp>
-    </p:spTree>
-    <p:extLst>
-      <p:ext uri="{BB962C8B-B14F-4D97-AF65-F5344CB8AC3E}">
-        <p14:creationId xmlns:p14="http://schemas.microsoft.com/office/powerpoint/2010/main" val="541788965"/>
-      </p:ext>
-    </p:extLst>
-  </p:cSld>
-  <p:clrMapOvr>
-    <a:masterClrMapping/>
-  </p:clrMapOvr>
-  <mc:AlternateContent xmlns:mc="http://schemas.openxmlformats.org/markup-compatibility/2006" xmlns:p14="http://schemas.microsoft.com/office/powerpoint/2010/main">
-    <mc:Choice Requires="p14">
-      <p:transition spd="slow" p14:dur="3000">
-        <p:push dir="u"/>
-      </p:transition>
-    </mc:Choice>
-    <mc:Fallback xmlns="">
-      <p:transition spd="slow">
-        <p:push dir="u"/>
-      </p:transition>
-    </mc:Fallback>
-  </mc:AlternateContent>
-  <p:timing>
-    <p:tnLst>
-      <p:par>
-        <p:cTn id="1" dur="indefinite" restart="never" nodeType="tmRoot"/>
-      </p:par>
-    </p:tnLst>
-  </p:timing>
-</p:sld>
-</file>
-
 <file path=ppt/theme/theme1.xml><?xml version="1.0" encoding="utf-8"?>
 <a:theme xmlns:a="http://schemas.openxmlformats.org/drawingml/2006/main" name="Office 테마">
   <a:themeElements>
